--- a/ppt 16-9/0414.耶稣的脚步遍满.pptx
+++ b/ppt 16-9/0414.耶稣的脚步遍满.pptx
@@ -5,7 +5,7 @@
     <p:sldMasterId id="2147483648" r:id="rId1"/>
   </p:sldMasterIdLst>
   <p:sldIdLst>
-    <p:sldId id="2890" r:id="rId2"/>
+    <p:sldId id="2892" r:id="rId2"/>
   </p:sldIdLst>
   <p:sldSz cx="12192000" cy="6858000"/>
   <p:notesSz cx="6858000" cy="9144000"/>
@@ -129,7 +129,7 @@
           <p:cNvPr id="2" name="标题 1">
             <a:extLst>
               <a:ext uri="{FF2B5EF4-FFF2-40B4-BE49-F238E27FC236}">
-                <a16:creationId xmlns:a16="http://schemas.microsoft.com/office/drawing/2014/main" id="{D471795A-84E7-7273-8FB7-5EA695E297D8}"/>
+                <a16:creationId xmlns:a16="http://schemas.microsoft.com/office/drawing/2014/main" id="{2FF7D14B-243C-26C3-D286-37860FF2D72C}"/>
               </a:ext>
             </a:extLst>
           </p:cNvPr>
@@ -166,7 +166,7 @@
           <p:cNvPr id="3" name="副标题 2">
             <a:extLst>
               <a:ext uri="{FF2B5EF4-FFF2-40B4-BE49-F238E27FC236}">
-                <a16:creationId xmlns:a16="http://schemas.microsoft.com/office/drawing/2014/main" id="{F16FABD6-AEE5-65E7-2D3F-79323E1A14B1}"/>
+                <a16:creationId xmlns:a16="http://schemas.microsoft.com/office/drawing/2014/main" id="{AE1F4A96-1269-79F7-BDF4-8649854F8672}"/>
               </a:ext>
             </a:extLst>
           </p:cNvPr>
@@ -236,7 +236,7 @@
           <p:cNvPr id="4" name="日期占位符 3">
             <a:extLst>
               <a:ext uri="{FF2B5EF4-FFF2-40B4-BE49-F238E27FC236}">
-                <a16:creationId xmlns:a16="http://schemas.microsoft.com/office/drawing/2014/main" id="{1E8AA68F-F5A8-A66A-62BC-D94BCDFFCB16}"/>
+                <a16:creationId xmlns:a16="http://schemas.microsoft.com/office/drawing/2014/main" id="{0DFD03F3-C161-F0D1-CB97-26D96D059596}"/>
               </a:ext>
             </a:extLst>
           </p:cNvPr>
@@ -252,7 +252,7 @@
           <a:bodyPr/>
           <a:lstStyle/>
           <a:p>
-            <a:fld id="{9460ED91-9EBB-463D-A661-EF314E1A9569}" type="datetimeFigureOut">
+            <a:fld id="{3F6FC387-A341-4417-8517-83D6DCB54521}" type="datetimeFigureOut">
               <a:rPr lang="zh-CN" altLang="en-US" smtClean="0"/>
               <a:t>2024/3/10</a:t>
             </a:fld>
@@ -265,7 +265,7 @@
           <p:cNvPr id="5" name="页脚占位符 4">
             <a:extLst>
               <a:ext uri="{FF2B5EF4-FFF2-40B4-BE49-F238E27FC236}">
-                <a16:creationId xmlns:a16="http://schemas.microsoft.com/office/drawing/2014/main" id="{24154080-9E5D-8227-AF4F-2DD68723A872}"/>
+                <a16:creationId xmlns:a16="http://schemas.microsoft.com/office/drawing/2014/main" id="{E32EB7D4-B825-733C-9360-55DE16B57615}"/>
               </a:ext>
             </a:extLst>
           </p:cNvPr>
@@ -290,7 +290,7 @@
           <p:cNvPr id="6" name="灯片编号占位符 5">
             <a:extLst>
               <a:ext uri="{FF2B5EF4-FFF2-40B4-BE49-F238E27FC236}">
-                <a16:creationId xmlns:a16="http://schemas.microsoft.com/office/drawing/2014/main" id="{ECD6BD63-9898-DE03-6EF6-AF691BB66BCB}"/>
+                <a16:creationId xmlns:a16="http://schemas.microsoft.com/office/drawing/2014/main" id="{17AE271D-EFEF-BF33-257F-2141059680E7}"/>
               </a:ext>
             </a:extLst>
           </p:cNvPr>
@@ -306,7 +306,7 @@
           <a:bodyPr/>
           <a:lstStyle/>
           <a:p>
-            <a:fld id="{9BB8044D-6234-4A1A-8F76-7ABAB2F338E6}" type="slidenum">
+            <a:fld id="{C4F53B46-D79F-4C2F-954E-F57E5758BC2D}" type="slidenum">
               <a:rPr lang="zh-CN" altLang="en-US" smtClean="0"/>
               <a:t>‹#›</a:t>
             </a:fld>
@@ -317,7 +317,7 @@
     </p:spTree>
     <p:extLst>
       <p:ext uri="{BB962C8B-B14F-4D97-AF65-F5344CB8AC3E}">
-        <p14:creationId xmlns:p14="http://schemas.microsoft.com/office/powerpoint/2010/main" val="1253966077"/>
+        <p14:creationId xmlns:p14="http://schemas.microsoft.com/office/powerpoint/2010/main" val="1441491250"/>
       </p:ext>
     </p:extLst>
   </p:cSld>
@@ -349,7 +349,7 @@
           <p:cNvPr id="2" name="标题 1">
             <a:extLst>
               <a:ext uri="{FF2B5EF4-FFF2-40B4-BE49-F238E27FC236}">
-                <a16:creationId xmlns:a16="http://schemas.microsoft.com/office/drawing/2014/main" id="{26BAA4CE-CD84-6EF7-BD4A-E6C560EE7E8D}"/>
+                <a16:creationId xmlns:a16="http://schemas.microsoft.com/office/drawing/2014/main" id="{7B253BA0-8E92-F24A-E927-BAE4EA335E7F}"/>
               </a:ext>
             </a:extLst>
           </p:cNvPr>
@@ -377,7 +377,7 @@
           <p:cNvPr id="3" name="竖排文字占位符 2">
             <a:extLst>
               <a:ext uri="{FF2B5EF4-FFF2-40B4-BE49-F238E27FC236}">
-                <a16:creationId xmlns:a16="http://schemas.microsoft.com/office/drawing/2014/main" id="{50DC352F-187A-3FE5-EBEA-387033203865}"/>
+                <a16:creationId xmlns:a16="http://schemas.microsoft.com/office/drawing/2014/main" id="{038D13B5-0374-DA22-B8BC-D2F6069EE7A7}"/>
               </a:ext>
             </a:extLst>
           </p:cNvPr>
@@ -434,7 +434,7 @@
           <p:cNvPr id="4" name="日期占位符 3">
             <a:extLst>
               <a:ext uri="{FF2B5EF4-FFF2-40B4-BE49-F238E27FC236}">
-                <a16:creationId xmlns:a16="http://schemas.microsoft.com/office/drawing/2014/main" id="{D0317240-DA94-F5DE-0CB5-5277159B7178}"/>
+                <a16:creationId xmlns:a16="http://schemas.microsoft.com/office/drawing/2014/main" id="{3325515A-54F8-47B6-2673-C6565347D34A}"/>
               </a:ext>
             </a:extLst>
           </p:cNvPr>
@@ -450,7 +450,7 @@
           <a:bodyPr/>
           <a:lstStyle/>
           <a:p>
-            <a:fld id="{9460ED91-9EBB-463D-A661-EF314E1A9569}" type="datetimeFigureOut">
+            <a:fld id="{3F6FC387-A341-4417-8517-83D6DCB54521}" type="datetimeFigureOut">
               <a:rPr lang="zh-CN" altLang="en-US" smtClean="0"/>
               <a:t>2024/3/10</a:t>
             </a:fld>
@@ -463,7 +463,7 @@
           <p:cNvPr id="5" name="页脚占位符 4">
             <a:extLst>
               <a:ext uri="{FF2B5EF4-FFF2-40B4-BE49-F238E27FC236}">
-                <a16:creationId xmlns:a16="http://schemas.microsoft.com/office/drawing/2014/main" id="{9D43FE41-24FB-2AAF-AF59-290F25D443D1}"/>
+                <a16:creationId xmlns:a16="http://schemas.microsoft.com/office/drawing/2014/main" id="{5C5D86EC-055A-0F7E-98D4-1157FE65D65A}"/>
               </a:ext>
             </a:extLst>
           </p:cNvPr>
@@ -488,7 +488,7 @@
           <p:cNvPr id="6" name="灯片编号占位符 5">
             <a:extLst>
               <a:ext uri="{FF2B5EF4-FFF2-40B4-BE49-F238E27FC236}">
-                <a16:creationId xmlns:a16="http://schemas.microsoft.com/office/drawing/2014/main" id="{12F5AD21-54E6-2204-5FD9-18F8893B7832}"/>
+                <a16:creationId xmlns:a16="http://schemas.microsoft.com/office/drawing/2014/main" id="{15777314-2BC1-DC5A-26EA-9172BB87592C}"/>
               </a:ext>
             </a:extLst>
           </p:cNvPr>
@@ -504,7 +504,7 @@
           <a:bodyPr/>
           <a:lstStyle/>
           <a:p>
-            <a:fld id="{9BB8044D-6234-4A1A-8F76-7ABAB2F338E6}" type="slidenum">
+            <a:fld id="{C4F53B46-D79F-4C2F-954E-F57E5758BC2D}" type="slidenum">
               <a:rPr lang="zh-CN" altLang="en-US" smtClean="0"/>
               <a:t>‹#›</a:t>
             </a:fld>
@@ -515,7 +515,7 @@
     </p:spTree>
     <p:extLst>
       <p:ext uri="{BB962C8B-B14F-4D97-AF65-F5344CB8AC3E}">
-        <p14:creationId xmlns:p14="http://schemas.microsoft.com/office/powerpoint/2010/main" val="3698004150"/>
+        <p14:creationId xmlns:p14="http://schemas.microsoft.com/office/powerpoint/2010/main" val="2724092734"/>
       </p:ext>
     </p:extLst>
   </p:cSld>
@@ -547,7 +547,7 @@
           <p:cNvPr id="2" name="竖排标题 1">
             <a:extLst>
               <a:ext uri="{FF2B5EF4-FFF2-40B4-BE49-F238E27FC236}">
-                <a16:creationId xmlns:a16="http://schemas.microsoft.com/office/drawing/2014/main" id="{DDB2FC29-F9FB-5443-7CD2-904041F31901}"/>
+                <a16:creationId xmlns:a16="http://schemas.microsoft.com/office/drawing/2014/main" id="{3BAF2EC6-A1A2-B29E-4873-7E3B7D6C004F}"/>
               </a:ext>
             </a:extLst>
           </p:cNvPr>
@@ -580,7 +580,7 @@
           <p:cNvPr id="3" name="竖排文字占位符 2">
             <a:extLst>
               <a:ext uri="{FF2B5EF4-FFF2-40B4-BE49-F238E27FC236}">
-                <a16:creationId xmlns:a16="http://schemas.microsoft.com/office/drawing/2014/main" id="{02611EA4-3632-B1BE-7924-BBD5AF80F20C}"/>
+                <a16:creationId xmlns:a16="http://schemas.microsoft.com/office/drawing/2014/main" id="{D495A4C1-D6E8-86EF-BB18-6F1CD63CA6F5}"/>
               </a:ext>
             </a:extLst>
           </p:cNvPr>
@@ -642,7 +642,7 @@
           <p:cNvPr id="4" name="日期占位符 3">
             <a:extLst>
               <a:ext uri="{FF2B5EF4-FFF2-40B4-BE49-F238E27FC236}">
-                <a16:creationId xmlns:a16="http://schemas.microsoft.com/office/drawing/2014/main" id="{39F4558B-1ABD-9D9F-8436-F87C3E4AD09D}"/>
+                <a16:creationId xmlns:a16="http://schemas.microsoft.com/office/drawing/2014/main" id="{3A64BF5F-A99B-7A12-9E46-BA0BE2EF9A6D}"/>
               </a:ext>
             </a:extLst>
           </p:cNvPr>
@@ -658,7 +658,7 @@
           <a:bodyPr/>
           <a:lstStyle/>
           <a:p>
-            <a:fld id="{9460ED91-9EBB-463D-A661-EF314E1A9569}" type="datetimeFigureOut">
+            <a:fld id="{3F6FC387-A341-4417-8517-83D6DCB54521}" type="datetimeFigureOut">
               <a:rPr lang="zh-CN" altLang="en-US" smtClean="0"/>
               <a:t>2024/3/10</a:t>
             </a:fld>
@@ -671,7 +671,7 @@
           <p:cNvPr id="5" name="页脚占位符 4">
             <a:extLst>
               <a:ext uri="{FF2B5EF4-FFF2-40B4-BE49-F238E27FC236}">
-                <a16:creationId xmlns:a16="http://schemas.microsoft.com/office/drawing/2014/main" id="{247623F4-9268-A8D3-35A8-2590EAF594BD}"/>
+                <a16:creationId xmlns:a16="http://schemas.microsoft.com/office/drawing/2014/main" id="{1599AC18-8B47-0C70-AD27-752A3F32D7AC}"/>
               </a:ext>
             </a:extLst>
           </p:cNvPr>
@@ -696,7 +696,7 @@
           <p:cNvPr id="6" name="灯片编号占位符 5">
             <a:extLst>
               <a:ext uri="{FF2B5EF4-FFF2-40B4-BE49-F238E27FC236}">
-                <a16:creationId xmlns:a16="http://schemas.microsoft.com/office/drawing/2014/main" id="{7128F60B-E301-3B08-00B6-54519DB5B591}"/>
+                <a16:creationId xmlns:a16="http://schemas.microsoft.com/office/drawing/2014/main" id="{89EDC026-D68D-6C39-4D2A-0575FCDBB1EC}"/>
               </a:ext>
             </a:extLst>
           </p:cNvPr>
@@ -712,7 +712,7 @@
           <a:bodyPr/>
           <a:lstStyle/>
           <a:p>
-            <a:fld id="{9BB8044D-6234-4A1A-8F76-7ABAB2F338E6}" type="slidenum">
+            <a:fld id="{C4F53B46-D79F-4C2F-954E-F57E5758BC2D}" type="slidenum">
               <a:rPr lang="zh-CN" altLang="en-US" smtClean="0"/>
               <a:t>‹#›</a:t>
             </a:fld>
@@ -723,7 +723,7 @@
     </p:spTree>
     <p:extLst>
       <p:ext uri="{BB962C8B-B14F-4D97-AF65-F5344CB8AC3E}">
-        <p14:creationId xmlns:p14="http://schemas.microsoft.com/office/powerpoint/2010/main" val="242136680"/>
+        <p14:creationId xmlns:p14="http://schemas.microsoft.com/office/powerpoint/2010/main" val="4164810403"/>
       </p:ext>
     </p:extLst>
   </p:cSld>
@@ -755,7 +755,7 @@
           <p:cNvPr id="2" name="标题 1">
             <a:extLst>
               <a:ext uri="{FF2B5EF4-FFF2-40B4-BE49-F238E27FC236}">
-                <a16:creationId xmlns:a16="http://schemas.microsoft.com/office/drawing/2014/main" id="{A640C06A-7D6B-4906-C435-6CAFC3EB206F}"/>
+                <a16:creationId xmlns:a16="http://schemas.microsoft.com/office/drawing/2014/main" id="{D1DEACDB-3295-1EC0-736D-B5C3059F55A7}"/>
               </a:ext>
             </a:extLst>
           </p:cNvPr>
@@ -783,7 +783,7 @@
           <p:cNvPr id="3" name="内容占位符 2">
             <a:extLst>
               <a:ext uri="{FF2B5EF4-FFF2-40B4-BE49-F238E27FC236}">
-                <a16:creationId xmlns:a16="http://schemas.microsoft.com/office/drawing/2014/main" id="{752D5168-ACC7-3792-F3FE-3E1C8A47A028}"/>
+                <a16:creationId xmlns:a16="http://schemas.microsoft.com/office/drawing/2014/main" id="{68F5A881-7216-CD0B-53DD-A0C35413573B}"/>
               </a:ext>
             </a:extLst>
           </p:cNvPr>
@@ -840,7 +840,7 @@
           <p:cNvPr id="4" name="日期占位符 3">
             <a:extLst>
               <a:ext uri="{FF2B5EF4-FFF2-40B4-BE49-F238E27FC236}">
-                <a16:creationId xmlns:a16="http://schemas.microsoft.com/office/drawing/2014/main" id="{3E125DA6-C008-E48A-AD2F-8DEAF5CA437E}"/>
+                <a16:creationId xmlns:a16="http://schemas.microsoft.com/office/drawing/2014/main" id="{94EEAE32-830A-8735-DD3F-1FD6FD4F2BAB}"/>
               </a:ext>
             </a:extLst>
           </p:cNvPr>
@@ -856,7 +856,7 @@
           <a:bodyPr/>
           <a:lstStyle/>
           <a:p>
-            <a:fld id="{9460ED91-9EBB-463D-A661-EF314E1A9569}" type="datetimeFigureOut">
+            <a:fld id="{3F6FC387-A341-4417-8517-83D6DCB54521}" type="datetimeFigureOut">
               <a:rPr lang="zh-CN" altLang="en-US" smtClean="0"/>
               <a:t>2024/3/10</a:t>
             </a:fld>
@@ -869,7 +869,7 @@
           <p:cNvPr id="5" name="页脚占位符 4">
             <a:extLst>
               <a:ext uri="{FF2B5EF4-FFF2-40B4-BE49-F238E27FC236}">
-                <a16:creationId xmlns:a16="http://schemas.microsoft.com/office/drawing/2014/main" id="{857426BA-DEB2-F0A5-03A1-8E2EFA93ACAB}"/>
+                <a16:creationId xmlns:a16="http://schemas.microsoft.com/office/drawing/2014/main" id="{805D2D5D-A3FB-EC42-5403-AC9CFBB5E706}"/>
               </a:ext>
             </a:extLst>
           </p:cNvPr>
@@ -894,7 +894,7 @@
           <p:cNvPr id="6" name="灯片编号占位符 5">
             <a:extLst>
               <a:ext uri="{FF2B5EF4-FFF2-40B4-BE49-F238E27FC236}">
-                <a16:creationId xmlns:a16="http://schemas.microsoft.com/office/drawing/2014/main" id="{5F6857ED-CBBD-6E19-AC15-6C0230A93C14}"/>
+                <a16:creationId xmlns:a16="http://schemas.microsoft.com/office/drawing/2014/main" id="{A7B73A4B-2601-33F0-FE0B-D6F2B34F6319}"/>
               </a:ext>
             </a:extLst>
           </p:cNvPr>
@@ -910,7 +910,7 @@
           <a:bodyPr/>
           <a:lstStyle/>
           <a:p>
-            <a:fld id="{9BB8044D-6234-4A1A-8F76-7ABAB2F338E6}" type="slidenum">
+            <a:fld id="{C4F53B46-D79F-4C2F-954E-F57E5758BC2D}" type="slidenum">
               <a:rPr lang="zh-CN" altLang="en-US" smtClean="0"/>
               <a:t>‹#›</a:t>
             </a:fld>
@@ -921,7 +921,7 @@
     </p:spTree>
     <p:extLst>
       <p:ext uri="{BB962C8B-B14F-4D97-AF65-F5344CB8AC3E}">
-        <p14:creationId xmlns:p14="http://schemas.microsoft.com/office/powerpoint/2010/main" val="1361987738"/>
+        <p14:creationId xmlns:p14="http://schemas.microsoft.com/office/powerpoint/2010/main" val="1845301896"/>
       </p:ext>
     </p:extLst>
   </p:cSld>
@@ -953,7 +953,7 @@
           <p:cNvPr id="2" name="标题 1">
             <a:extLst>
               <a:ext uri="{FF2B5EF4-FFF2-40B4-BE49-F238E27FC236}">
-                <a16:creationId xmlns:a16="http://schemas.microsoft.com/office/drawing/2014/main" id="{DE5F0FBB-949B-3C54-2071-7E71494FF644}"/>
+                <a16:creationId xmlns:a16="http://schemas.microsoft.com/office/drawing/2014/main" id="{D2EC1096-0900-22D4-BFB5-4B58C9E13E40}"/>
               </a:ext>
             </a:extLst>
           </p:cNvPr>
@@ -990,7 +990,7 @@
           <p:cNvPr id="3" name="文本占位符 2">
             <a:extLst>
               <a:ext uri="{FF2B5EF4-FFF2-40B4-BE49-F238E27FC236}">
-                <a16:creationId xmlns:a16="http://schemas.microsoft.com/office/drawing/2014/main" id="{562FD22F-8BFF-FFB7-F849-8590F0F172DD}"/>
+                <a16:creationId xmlns:a16="http://schemas.microsoft.com/office/drawing/2014/main" id="{EB8E1518-D705-E82C-88F3-C0D408451CC2}"/>
               </a:ext>
             </a:extLst>
           </p:cNvPr>
@@ -1115,7 +1115,7 @@
           <p:cNvPr id="4" name="日期占位符 3">
             <a:extLst>
               <a:ext uri="{FF2B5EF4-FFF2-40B4-BE49-F238E27FC236}">
-                <a16:creationId xmlns:a16="http://schemas.microsoft.com/office/drawing/2014/main" id="{90511A91-6485-B3A3-FE4B-1C1F2502BEB4}"/>
+                <a16:creationId xmlns:a16="http://schemas.microsoft.com/office/drawing/2014/main" id="{53BE6DDB-E78B-5539-F30F-BD5B739416B0}"/>
               </a:ext>
             </a:extLst>
           </p:cNvPr>
@@ -1131,7 +1131,7 @@
           <a:bodyPr/>
           <a:lstStyle/>
           <a:p>
-            <a:fld id="{9460ED91-9EBB-463D-A661-EF314E1A9569}" type="datetimeFigureOut">
+            <a:fld id="{3F6FC387-A341-4417-8517-83D6DCB54521}" type="datetimeFigureOut">
               <a:rPr lang="zh-CN" altLang="en-US" smtClean="0"/>
               <a:t>2024/3/10</a:t>
             </a:fld>
@@ -1144,7 +1144,7 @@
           <p:cNvPr id="5" name="页脚占位符 4">
             <a:extLst>
               <a:ext uri="{FF2B5EF4-FFF2-40B4-BE49-F238E27FC236}">
-                <a16:creationId xmlns:a16="http://schemas.microsoft.com/office/drawing/2014/main" id="{859FB889-F9B5-607E-BF35-1518317D05E3}"/>
+                <a16:creationId xmlns:a16="http://schemas.microsoft.com/office/drawing/2014/main" id="{11A94997-858F-1B43-A369-7CAFD5FE2618}"/>
               </a:ext>
             </a:extLst>
           </p:cNvPr>
@@ -1169,7 +1169,7 @@
           <p:cNvPr id="6" name="灯片编号占位符 5">
             <a:extLst>
               <a:ext uri="{FF2B5EF4-FFF2-40B4-BE49-F238E27FC236}">
-                <a16:creationId xmlns:a16="http://schemas.microsoft.com/office/drawing/2014/main" id="{0EF353BD-981B-A7D5-F3A6-8D938ADC9AB0}"/>
+                <a16:creationId xmlns:a16="http://schemas.microsoft.com/office/drawing/2014/main" id="{AABBDD7F-6C11-6EBC-F65F-42C78330A2DC}"/>
               </a:ext>
             </a:extLst>
           </p:cNvPr>
@@ -1185,7 +1185,7 @@
           <a:bodyPr/>
           <a:lstStyle/>
           <a:p>
-            <a:fld id="{9BB8044D-6234-4A1A-8F76-7ABAB2F338E6}" type="slidenum">
+            <a:fld id="{C4F53B46-D79F-4C2F-954E-F57E5758BC2D}" type="slidenum">
               <a:rPr lang="zh-CN" altLang="en-US" smtClean="0"/>
               <a:t>‹#›</a:t>
             </a:fld>
@@ -1196,7 +1196,7 @@
     </p:spTree>
     <p:extLst>
       <p:ext uri="{BB962C8B-B14F-4D97-AF65-F5344CB8AC3E}">
-        <p14:creationId xmlns:p14="http://schemas.microsoft.com/office/powerpoint/2010/main" val="4194005788"/>
+        <p14:creationId xmlns:p14="http://schemas.microsoft.com/office/powerpoint/2010/main" val="361821978"/>
       </p:ext>
     </p:extLst>
   </p:cSld>
@@ -1228,7 +1228,7 @@
           <p:cNvPr id="2" name="标题 1">
             <a:extLst>
               <a:ext uri="{FF2B5EF4-FFF2-40B4-BE49-F238E27FC236}">
-                <a16:creationId xmlns:a16="http://schemas.microsoft.com/office/drawing/2014/main" id="{BBAE2E1D-D113-C0A9-DF12-92C39A89DCE5}"/>
+                <a16:creationId xmlns:a16="http://schemas.microsoft.com/office/drawing/2014/main" id="{701E1FA1-19CC-FD9C-3FBD-45DE67F227F3}"/>
               </a:ext>
             </a:extLst>
           </p:cNvPr>
@@ -1256,7 +1256,7 @@
           <p:cNvPr id="3" name="内容占位符 2">
             <a:extLst>
               <a:ext uri="{FF2B5EF4-FFF2-40B4-BE49-F238E27FC236}">
-                <a16:creationId xmlns:a16="http://schemas.microsoft.com/office/drawing/2014/main" id="{C1F6995F-5B8E-73DC-E995-E352F7FF8883}"/>
+                <a16:creationId xmlns:a16="http://schemas.microsoft.com/office/drawing/2014/main" id="{11C30F9C-4A0C-22BC-169A-D6EF557763B0}"/>
               </a:ext>
             </a:extLst>
           </p:cNvPr>
@@ -1318,7 +1318,7 @@
           <p:cNvPr id="4" name="内容占位符 3">
             <a:extLst>
               <a:ext uri="{FF2B5EF4-FFF2-40B4-BE49-F238E27FC236}">
-                <a16:creationId xmlns:a16="http://schemas.microsoft.com/office/drawing/2014/main" id="{165731AF-5511-FEAB-D098-A6BAF29BECC5}"/>
+                <a16:creationId xmlns:a16="http://schemas.microsoft.com/office/drawing/2014/main" id="{DEF8D565-221F-E810-3BF8-B251B82B2FF2}"/>
               </a:ext>
             </a:extLst>
           </p:cNvPr>
@@ -1380,7 +1380,7 @@
           <p:cNvPr id="5" name="日期占位符 4">
             <a:extLst>
               <a:ext uri="{FF2B5EF4-FFF2-40B4-BE49-F238E27FC236}">
-                <a16:creationId xmlns:a16="http://schemas.microsoft.com/office/drawing/2014/main" id="{A130E34B-BD9E-F709-BC90-427054034D54}"/>
+                <a16:creationId xmlns:a16="http://schemas.microsoft.com/office/drawing/2014/main" id="{11D1EE73-6A41-62FF-8567-F952B36FEA0C}"/>
               </a:ext>
             </a:extLst>
           </p:cNvPr>
@@ -1396,7 +1396,7 @@
           <a:bodyPr/>
           <a:lstStyle/>
           <a:p>
-            <a:fld id="{9460ED91-9EBB-463D-A661-EF314E1A9569}" type="datetimeFigureOut">
+            <a:fld id="{3F6FC387-A341-4417-8517-83D6DCB54521}" type="datetimeFigureOut">
               <a:rPr lang="zh-CN" altLang="en-US" smtClean="0"/>
               <a:t>2024/3/10</a:t>
             </a:fld>
@@ -1409,7 +1409,7 @@
           <p:cNvPr id="6" name="页脚占位符 5">
             <a:extLst>
               <a:ext uri="{FF2B5EF4-FFF2-40B4-BE49-F238E27FC236}">
-                <a16:creationId xmlns:a16="http://schemas.microsoft.com/office/drawing/2014/main" id="{DC09057A-2D67-B6E0-5A71-956CACBCD2AD}"/>
+                <a16:creationId xmlns:a16="http://schemas.microsoft.com/office/drawing/2014/main" id="{49ECB653-BD46-6290-83CB-DE9F010DAF70}"/>
               </a:ext>
             </a:extLst>
           </p:cNvPr>
@@ -1434,7 +1434,7 @@
           <p:cNvPr id="7" name="灯片编号占位符 6">
             <a:extLst>
               <a:ext uri="{FF2B5EF4-FFF2-40B4-BE49-F238E27FC236}">
-                <a16:creationId xmlns:a16="http://schemas.microsoft.com/office/drawing/2014/main" id="{084ADF31-1621-B04B-871C-91F972DB33C4}"/>
+                <a16:creationId xmlns:a16="http://schemas.microsoft.com/office/drawing/2014/main" id="{3BCAEEDC-B782-5398-42C7-6D874C5E9CF7}"/>
               </a:ext>
             </a:extLst>
           </p:cNvPr>
@@ -1450,7 +1450,7 @@
           <a:bodyPr/>
           <a:lstStyle/>
           <a:p>
-            <a:fld id="{9BB8044D-6234-4A1A-8F76-7ABAB2F338E6}" type="slidenum">
+            <a:fld id="{C4F53B46-D79F-4C2F-954E-F57E5758BC2D}" type="slidenum">
               <a:rPr lang="zh-CN" altLang="en-US" smtClean="0"/>
               <a:t>‹#›</a:t>
             </a:fld>
@@ -1461,7 +1461,7 @@
     </p:spTree>
     <p:extLst>
       <p:ext uri="{BB962C8B-B14F-4D97-AF65-F5344CB8AC3E}">
-        <p14:creationId xmlns:p14="http://schemas.microsoft.com/office/powerpoint/2010/main" val="3217295920"/>
+        <p14:creationId xmlns:p14="http://schemas.microsoft.com/office/powerpoint/2010/main" val="1764605635"/>
       </p:ext>
     </p:extLst>
   </p:cSld>
@@ -1493,7 +1493,7 @@
           <p:cNvPr id="2" name="标题 1">
             <a:extLst>
               <a:ext uri="{FF2B5EF4-FFF2-40B4-BE49-F238E27FC236}">
-                <a16:creationId xmlns:a16="http://schemas.microsoft.com/office/drawing/2014/main" id="{125F76C1-ADC2-CFA7-B00C-AC9B62EE4D06}"/>
+                <a16:creationId xmlns:a16="http://schemas.microsoft.com/office/drawing/2014/main" id="{FDDF8476-056C-71CC-7793-55669652396A}"/>
               </a:ext>
             </a:extLst>
           </p:cNvPr>
@@ -1526,7 +1526,7 @@
           <p:cNvPr id="3" name="文本占位符 2">
             <a:extLst>
               <a:ext uri="{FF2B5EF4-FFF2-40B4-BE49-F238E27FC236}">
-                <a16:creationId xmlns:a16="http://schemas.microsoft.com/office/drawing/2014/main" id="{2EF87496-64BA-BC7F-F0D2-BA07AA5D1EE5}"/>
+                <a16:creationId xmlns:a16="http://schemas.microsoft.com/office/drawing/2014/main" id="{47BDB615-05BB-C4D6-D40C-10D728CBEF1C}"/>
               </a:ext>
             </a:extLst>
           </p:cNvPr>
@@ -1597,7 +1597,7 @@
           <p:cNvPr id="4" name="内容占位符 3">
             <a:extLst>
               <a:ext uri="{FF2B5EF4-FFF2-40B4-BE49-F238E27FC236}">
-                <a16:creationId xmlns:a16="http://schemas.microsoft.com/office/drawing/2014/main" id="{05DF575E-8F3A-D762-86D3-2BD8FCEC3DC5}"/>
+                <a16:creationId xmlns:a16="http://schemas.microsoft.com/office/drawing/2014/main" id="{907C06CC-244C-7C83-1E58-4C3D7C9943E5}"/>
               </a:ext>
             </a:extLst>
           </p:cNvPr>
@@ -1659,7 +1659,7 @@
           <p:cNvPr id="5" name="文本占位符 4">
             <a:extLst>
               <a:ext uri="{FF2B5EF4-FFF2-40B4-BE49-F238E27FC236}">
-                <a16:creationId xmlns:a16="http://schemas.microsoft.com/office/drawing/2014/main" id="{9E5026FB-1C4D-AC1A-03BB-B706E9993B91}"/>
+                <a16:creationId xmlns:a16="http://schemas.microsoft.com/office/drawing/2014/main" id="{DDDE887C-8745-DB14-38A4-028B75D476F2}"/>
               </a:ext>
             </a:extLst>
           </p:cNvPr>
@@ -1730,7 +1730,7 @@
           <p:cNvPr id="6" name="内容占位符 5">
             <a:extLst>
               <a:ext uri="{FF2B5EF4-FFF2-40B4-BE49-F238E27FC236}">
-                <a16:creationId xmlns:a16="http://schemas.microsoft.com/office/drawing/2014/main" id="{07C1350C-92BF-C3F7-6BEE-6E3CFAE7FB05}"/>
+                <a16:creationId xmlns:a16="http://schemas.microsoft.com/office/drawing/2014/main" id="{E0B7ECDD-470D-FC1C-53AF-EE13D6724380}"/>
               </a:ext>
             </a:extLst>
           </p:cNvPr>
@@ -1792,7 +1792,7 @@
           <p:cNvPr id="7" name="日期占位符 6">
             <a:extLst>
               <a:ext uri="{FF2B5EF4-FFF2-40B4-BE49-F238E27FC236}">
-                <a16:creationId xmlns:a16="http://schemas.microsoft.com/office/drawing/2014/main" id="{518CC4E8-4FB7-2B58-E42F-F49B61266FBD}"/>
+                <a16:creationId xmlns:a16="http://schemas.microsoft.com/office/drawing/2014/main" id="{569BAD52-4697-045B-4F2F-3EE36DE5335B}"/>
               </a:ext>
             </a:extLst>
           </p:cNvPr>
@@ -1808,7 +1808,7 @@
           <a:bodyPr/>
           <a:lstStyle/>
           <a:p>
-            <a:fld id="{9460ED91-9EBB-463D-A661-EF314E1A9569}" type="datetimeFigureOut">
+            <a:fld id="{3F6FC387-A341-4417-8517-83D6DCB54521}" type="datetimeFigureOut">
               <a:rPr lang="zh-CN" altLang="en-US" smtClean="0"/>
               <a:t>2024/3/10</a:t>
             </a:fld>
@@ -1821,7 +1821,7 @@
           <p:cNvPr id="8" name="页脚占位符 7">
             <a:extLst>
               <a:ext uri="{FF2B5EF4-FFF2-40B4-BE49-F238E27FC236}">
-                <a16:creationId xmlns:a16="http://schemas.microsoft.com/office/drawing/2014/main" id="{EE4D9177-A047-9844-68EB-96FF8A03F27D}"/>
+                <a16:creationId xmlns:a16="http://schemas.microsoft.com/office/drawing/2014/main" id="{31350705-DA4C-0A8C-8E36-95D54C4DCC2A}"/>
               </a:ext>
             </a:extLst>
           </p:cNvPr>
@@ -1846,7 +1846,7 @@
           <p:cNvPr id="9" name="灯片编号占位符 8">
             <a:extLst>
               <a:ext uri="{FF2B5EF4-FFF2-40B4-BE49-F238E27FC236}">
-                <a16:creationId xmlns:a16="http://schemas.microsoft.com/office/drawing/2014/main" id="{3CB003AD-8818-0AD4-5619-4C423C8E9BCD}"/>
+                <a16:creationId xmlns:a16="http://schemas.microsoft.com/office/drawing/2014/main" id="{3C145696-0371-8C30-3235-3E81AC93D091}"/>
               </a:ext>
             </a:extLst>
           </p:cNvPr>
@@ -1862,7 +1862,7 @@
           <a:bodyPr/>
           <a:lstStyle/>
           <a:p>
-            <a:fld id="{9BB8044D-6234-4A1A-8F76-7ABAB2F338E6}" type="slidenum">
+            <a:fld id="{C4F53B46-D79F-4C2F-954E-F57E5758BC2D}" type="slidenum">
               <a:rPr lang="zh-CN" altLang="en-US" smtClean="0"/>
               <a:t>‹#›</a:t>
             </a:fld>
@@ -1873,7 +1873,7 @@
     </p:spTree>
     <p:extLst>
       <p:ext uri="{BB962C8B-B14F-4D97-AF65-F5344CB8AC3E}">
-        <p14:creationId xmlns:p14="http://schemas.microsoft.com/office/powerpoint/2010/main" val="3800483069"/>
+        <p14:creationId xmlns:p14="http://schemas.microsoft.com/office/powerpoint/2010/main" val="3797737855"/>
       </p:ext>
     </p:extLst>
   </p:cSld>
@@ -1905,7 +1905,7 @@
           <p:cNvPr id="2" name="标题 1">
             <a:extLst>
               <a:ext uri="{FF2B5EF4-FFF2-40B4-BE49-F238E27FC236}">
-                <a16:creationId xmlns:a16="http://schemas.microsoft.com/office/drawing/2014/main" id="{A0A9BAF1-F6F4-BFF3-0353-F5CFD675E1E9}"/>
+                <a16:creationId xmlns:a16="http://schemas.microsoft.com/office/drawing/2014/main" id="{0C407A4E-5EB8-DB02-0E7B-3821BE8915C0}"/>
               </a:ext>
             </a:extLst>
           </p:cNvPr>
@@ -1933,7 +1933,7 @@
           <p:cNvPr id="3" name="日期占位符 2">
             <a:extLst>
               <a:ext uri="{FF2B5EF4-FFF2-40B4-BE49-F238E27FC236}">
-                <a16:creationId xmlns:a16="http://schemas.microsoft.com/office/drawing/2014/main" id="{31C5DC87-81D2-5512-BC70-707A24FE23D1}"/>
+                <a16:creationId xmlns:a16="http://schemas.microsoft.com/office/drawing/2014/main" id="{55D31657-97CC-6FAE-7C1E-46B7469DAFF3}"/>
               </a:ext>
             </a:extLst>
           </p:cNvPr>
@@ -1949,7 +1949,7 @@
           <a:bodyPr/>
           <a:lstStyle/>
           <a:p>
-            <a:fld id="{9460ED91-9EBB-463D-A661-EF314E1A9569}" type="datetimeFigureOut">
+            <a:fld id="{3F6FC387-A341-4417-8517-83D6DCB54521}" type="datetimeFigureOut">
               <a:rPr lang="zh-CN" altLang="en-US" smtClean="0"/>
               <a:t>2024/3/10</a:t>
             </a:fld>
@@ -1962,7 +1962,7 @@
           <p:cNvPr id="4" name="页脚占位符 3">
             <a:extLst>
               <a:ext uri="{FF2B5EF4-FFF2-40B4-BE49-F238E27FC236}">
-                <a16:creationId xmlns:a16="http://schemas.microsoft.com/office/drawing/2014/main" id="{26593C01-9C73-D4A7-8638-20FFBD506BD6}"/>
+                <a16:creationId xmlns:a16="http://schemas.microsoft.com/office/drawing/2014/main" id="{36A60DE7-CAB7-6697-A4A2-02746E169253}"/>
               </a:ext>
             </a:extLst>
           </p:cNvPr>
@@ -1987,7 +1987,7 @@
           <p:cNvPr id="5" name="灯片编号占位符 4">
             <a:extLst>
               <a:ext uri="{FF2B5EF4-FFF2-40B4-BE49-F238E27FC236}">
-                <a16:creationId xmlns:a16="http://schemas.microsoft.com/office/drawing/2014/main" id="{495AF4B9-1844-0436-C429-B8B27EB6F127}"/>
+                <a16:creationId xmlns:a16="http://schemas.microsoft.com/office/drawing/2014/main" id="{0D7FBC94-46B7-9851-6A39-358EE93EFD62}"/>
               </a:ext>
             </a:extLst>
           </p:cNvPr>
@@ -2003,7 +2003,7 @@
           <a:bodyPr/>
           <a:lstStyle/>
           <a:p>
-            <a:fld id="{9BB8044D-6234-4A1A-8F76-7ABAB2F338E6}" type="slidenum">
+            <a:fld id="{C4F53B46-D79F-4C2F-954E-F57E5758BC2D}" type="slidenum">
               <a:rPr lang="zh-CN" altLang="en-US" smtClean="0"/>
               <a:t>‹#›</a:t>
             </a:fld>
@@ -2014,7 +2014,7 @@
     </p:spTree>
     <p:extLst>
       <p:ext uri="{BB962C8B-B14F-4D97-AF65-F5344CB8AC3E}">
-        <p14:creationId xmlns:p14="http://schemas.microsoft.com/office/powerpoint/2010/main" val="2569954682"/>
+        <p14:creationId xmlns:p14="http://schemas.microsoft.com/office/powerpoint/2010/main" val="3511326206"/>
       </p:ext>
     </p:extLst>
   </p:cSld>
@@ -2046,7 +2046,7 @@
           <p:cNvPr id="2" name="日期占位符 1">
             <a:extLst>
               <a:ext uri="{FF2B5EF4-FFF2-40B4-BE49-F238E27FC236}">
-                <a16:creationId xmlns:a16="http://schemas.microsoft.com/office/drawing/2014/main" id="{FA466874-CF72-8EE7-F6E0-3FFF084B48C5}"/>
+                <a16:creationId xmlns:a16="http://schemas.microsoft.com/office/drawing/2014/main" id="{525FD12E-5F69-4042-8475-08DDF8317A22}"/>
               </a:ext>
             </a:extLst>
           </p:cNvPr>
@@ -2062,7 +2062,7 @@
           <a:bodyPr/>
           <a:lstStyle/>
           <a:p>
-            <a:fld id="{9460ED91-9EBB-463D-A661-EF314E1A9569}" type="datetimeFigureOut">
+            <a:fld id="{3F6FC387-A341-4417-8517-83D6DCB54521}" type="datetimeFigureOut">
               <a:rPr lang="zh-CN" altLang="en-US" smtClean="0"/>
               <a:t>2024/3/10</a:t>
             </a:fld>
@@ -2075,7 +2075,7 @@
           <p:cNvPr id="3" name="页脚占位符 2">
             <a:extLst>
               <a:ext uri="{FF2B5EF4-FFF2-40B4-BE49-F238E27FC236}">
-                <a16:creationId xmlns:a16="http://schemas.microsoft.com/office/drawing/2014/main" id="{A92B8A6A-80C9-9EA6-84E4-930C7BFA3292}"/>
+                <a16:creationId xmlns:a16="http://schemas.microsoft.com/office/drawing/2014/main" id="{9390AE3A-CF94-608C-2C3E-604273A8630E}"/>
               </a:ext>
             </a:extLst>
           </p:cNvPr>
@@ -2100,7 +2100,7 @@
           <p:cNvPr id="4" name="灯片编号占位符 3">
             <a:extLst>
               <a:ext uri="{FF2B5EF4-FFF2-40B4-BE49-F238E27FC236}">
-                <a16:creationId xmlns:a16="http://schemas.microsoft.com/office/drawing/2014/main" id="{B76DC5D4-76DE-9938-F89E-84A3040BC432}"/>
+                <a16:creationId xmlns:a16="http://schemas.microsoft.com/office/drawing/2014/main" id="{AB2BF0B8-49C4-A39F-0D19-30E9C19D63EE}"/>
               </a:ext>
             </a:extLst>
           </p:cNvPr>
@@ -2116,7 +2116,7 @@
           <a:bodyPr/>
           <a:lstStyle/>
           <a:p>
-            <a:fld id="{9BB8044D-6234-4A1A-8F76-7ABAB2F338E6}" type="slidenum">
+            <a:fld id="{C4F53B46-D79F-4C2F-954E-F57E5758BC2D}" type="slidenum">
               <a:rPr lang="zh-CN" altLang="en-US" smtClean="0"/>
               <a:t>‹#›</a:t>
             </a:fld>
@@ -2127,7 +2127,7 @@
     </p:spTree>
     <p:extLst>
       <p:ext uri="{BB962C8B-B14F-4D97-AF65-F5344CB8AC3E}">
-        <p14:creationId xmlns:p14="http://schemas.microsoft.com/office/powerpoint/2010/main" val="3539864055"/>
+        <p14:creationId xmlns:p14="http://schemas.microsoft.com/office/powerpoint/2010/main" val="902415530"/>
       </p:ext>
     </p:extLst>
   </p:cSld>
@@ -2159,7 +2159,7 @@
           <p:cNvPr id="2" name="标题 1">
             <a:extLst>
               <a:ext uri="{FF2B5EF4-FFF2-40B4-BE49-F238E27FC236}">
-                <a16:creationId xmlns:a16="http://schemas.microsoft.com/office/drawing/2014/main" id="{DACE76F7-1466-9A81-8C74-3768882FE861}"/>
+                <a16:creationId xmlns:a16="http://schemas.microsoft.com/office/drawing/2014/main" id="{272BA0CD-A1DB-0456-16F1-CB339DDCCCBA}"/>
               </a:ext>
             </a:extLst>
           </p:cNvPr>
@@ -2196,7 +2196,7 @@
           <p:cNvPr id="3" name="内容占位符 2">
             <a:extLst>
               <a:ext uri="{FF2B5EF4-FFF2-40B4-BE49-F238E27FC236}">
-                <a16:creationId xmlns:a16="http://schemas.microsoft.com/office/drawing/2014/main" id="{000275C1-164B-9542-DA63-983D34B93CB3}"/>
+                <a16:creationId xmlns:a16="http://schemas.microsoft.com/office/drawing/2014/main" id="{531856A1-6604-850B-CA42-05998EF5EAA0}"/>
               </a:ext>
             </a:extLst>
           </p:cNvPr>
@@ -2286,7 +2286,7 @@
           <p:cNvPr id="4" name="文本占位符 3">
             <a:extLst>
               <a:ext uri="{FF2B5EF4-FFF2-40B4-BE49-F238E27FC236}">
-                <a16:creationId xmlns:a16="http://schemas.microsoft.com/office/drawing/2014/main" id="{5681DA90-A7E2-A935-D48B-31FDA997D7C0}"/>
+                <a16:creationId xmlns:a16="http://schemas.microsoft.com/office/drawing/2014/main" id="{E428A99E-B3E6-3013-4776-62E2465DEF6F}"/>
               </a:ext>
             </a:extLst>
           </p:cNvPr>
@@ -2357,7 +2357,7 @@
           <p:cNvPr id="5" name="日期占位符 4">
             <a:extLst>
               <a:ext uri="{FF2B5EF4-FFF2-40B4-BE49-F238E27FC236}">
-                <a16:creationId xmlns:a16="http://schemas.microsoft.com/office/drawing/2014/main" id="{926CF3F9-80C9-A5A4-8377-6405CEF88B4D}"/>
+                <a16:creationId xmlns:a16="http://schemas.microsoft.com/office/drawing/2014/main" id="{E99DF21B-08F1-2908-37AD-9B744348E9F7}"/>
               </a:ext>
             </a:extLst>
           </p:cNvPr>
@@ -2373,7 +2373,7 @@
           <a:bodyPr/>
           <a:lstStyle/>
           <a:p>
-            <a:fld id="{9460ED91-9EBB-463D-A661-EF314E1A9569}" type="datetimeFigureOut">
+            <a:fld id="{3F6FC387-A341-4417-8517-83D6DCB54521}" type="datetimeFigureOut">
               <a:rPr lang="zh-CN" altLang="en-US" smtClean="0"/>
               <a:t>2024/3/10</a:t>
             </a:fld>
@@ -2386,7 +2386,7 @@
           <p:cNvPr id="6" name="页脚占位符 5">
             <a:extLst>
               <a:ext uri="{FF2B5EF4-FFF2-40B4-BE49-F238E27FC236}">
-                <a16:creationId xmlns:a16="http://schemas.microsoft.com/office/drawing/2014/main" id="{68D62418-8CDF-FEBE-0259-F4477AADD8CA}"/>
+                <a16:creationId xmlns:a16="http://schemas.microsoft.com/office/drawing/2014/main" id="{CCE0FAB7-99EA-417E-7BA8-BCEDE6A889C8}"/>
               </a:ext>
             </a:extLst>
           </p:cNvPr>
@@ -2411,7 +2411,7 @@
           <p:cNvPr id="7" name="灯片编号占位符 6">
             <a:extLst>
               <a:ext uri="{FF2B5EF4-FFF2-40B4-BE49-F238E27FC236}">
-                <a16:creationId xmlns:a16="http://schemas.microsoft.com/office/drawing/2014/main" id="{1F9D3B5C-E349-0961-71F4-9C69C46218B4}"/>
+                <a16:creationId xmlns:a16="http://schemas.microsoft.com/office/drawing/2014/main" id="{6D5CB2BC-F872-0C7A-D1E0-6D1D584DCCAD}"/>
               </a:ext>
             </a:extLst>
           </p:cNvPr>
@@ -2427,7 +2427,7 @@
           <a:bodyPr/>
           <a:lstStyle/>
           <a:p>
-            <a:fld id="{9BB8044D-6234-4A1A-8F76-7ABAB2F338E6}" type="slidenum">
+            <a:fld id="{C4F53B46-D79F-4C2F-954E-F57E5758BC2D}" type="slidenum">
               <a:rPr lang="zh-CN" altLang="en-US" smtClean="0"/>
               <a:t>‹#›</a:t>
             </a:fld>
@@ -2438,7 +2438,7 @@
     </p:spTree>
     <p:extLst>
       <p:ext uri="{BB962C8B-B14F-4D97-AF65-F5344CB8AC3E}">
-        <p14:creationId xmlns:p14="http://schemas.microsoft.com/office/powerpoint/2010/main" val="1546483647"/>
+        <p14:creationId xmlns:p14="http://schemas.microsoft.com/office/powerpoint/2010/main" val="3913717828"/>
       </p:ext>
     </p:extLst>
   </p:cSld>
@@ -2470,7 +2470,7 @@
           <p:cNvPr id="2" name="标题 1">
             <a:extLst>
               <a:ext uri="{FF2B5EF4-FFF2-40B4-BE49-F238E27FC236}">
-                <a16:creationId xmlns:a16="http://schemas.microsoft.com/office/drawing/2014/main" id="{2CDA4901-9DB5-5EAD-B353-65DA4841D5D7}"/>
+                <a16:creationId xmlns:a16="http://schemas.microsoft.com/office/drawing/2014/main" id="{8989F587-0DDE-E3D4-EE13-D652F0BC1322}"/>
               </a:ext>
             </a:extLst>
           </p:cNvPr>
@@ -2507,7 +2507,7 @@
           <p:cNvPr id="3" name="图片占位符 2">
             <a:extLst>
               <a:ext uri="{FF2B5EF4-FFF2-40B4-BE49-F238E27FC236}">
-                <a16:creationId xmlns:a16="http://schemas.microsoft.com/office/drawing/2014/main" id="{56D63D70-0FE2-B968-BC45-EF5FEF332D69}"/>
+                <a16:creationId xmlns:a16="http://schemas.microsoft.com/office/drawing/2014/main" id="{FFEF111A-FD3B-4855-5117-9A9AAB179C5B}"/>
               </a:ext>
             </a:extLst>
           </p:cNvPr>
@@ -2574,7 +2574,7 @@
           <p:cNvPr id="4" name="文本占位符 3">
             <a:extLst>
               <a:ext uri="{FF2B5EF4-FFF2-40B4-BE49-F238E27FC236}">
-                <a16:creationId xmlns:a16="http://schemas.microsoft.com/office/drawing/2014/main" id="{531DF7C0-5C2B-60DF-C4FC-6BEF4FDA3FAE}"/>
+                <a16:creationId xmlns:a16="http://schemas.microsoft.com/office/drawing/2014/main" id="{A7491078-DE2C-55D0-895D-15208F6BCEB9}"/>
               </a:ext>
             </a:extLst>
           </p:cNvPr>
@@ -2645,7 +2645,7 @@
           <p:cNvPr id="5" name="日期占位符 4">
             <a:extLst>
               <a:ext uri="{FF2B5EF4-FFF2-40B4-BE49-F238E27FC236}">
-                <a16:creationId xmlns:a16="http://schemas.microsoft.com/office/drawing/2014/main" id="{ACD98B9B-9EF4-B85D-B9EC-7FC2182E4060}"/>
+                <a16:creationId xmlns:a16="http://schemas.microsoft.com/office/drawing/2014/main" id="{7D552E34-118C-112D-C99F-F0488571B47C}"/>
               </a:ext>
             </a:extLst>
           </p:cNvPr>
@@ -2661,7 +2661,7 @@
           <a:bodyPr/>
           <a:lstStyle/>
           <a:p>
-            <a:fld id="{9460ED91-9EBB-463D-A661-EF314E1A9569}" type="datetimeFigureOut">
+            <a:fld id="{3F6FC387-A341-4417-8517-83D6DCB54521}" type="datetimeFigureOut">
               <a:rPr lang="zh-CN" altLang="en-US" smtClean="0"/>
               <a:t>2024/3/10</a:t>
             </a:fld>
@@ -2674,7 +2674,7 @@
           <p:cNvPr id="6" name="页脚占位符 5">
             <a:extLst>
               <a:ext uri="{FF2B5EF4-FFF2-40B4-BE49-F238E27FC236}">
-                <a16:creationId xmlns:a16="http://schemas.microsoft.com/office/drawing/2014/main" id="{73B04712-7CB1-97B4-F8C1-A6D13949A7DB}"/>
+                <a16:creationId xmlns:a16="http://schemas.microsoft.com/office/drawing/2014/main" id="{7DFFF33A-8D34-3825-69D0-883E09A52F06}"/>
               </a:ext>
             </a:extLst>
           </p:cNvPr>
@@ -2699,7 +2699,7 @@
           <p:cNvPr id="7" name="灯片编号占位符 6">
             <a:extLst>
               <a:ext uri="{FF2B5EF4-FFF2-40B4-BE49-F238E27FC236}">
-                <a16:creationId xmlns:a16="http://schemas.microsoft.com/office/drawing/2014/main" id="{021A8632-9B66-D237-B34A-2284FC443898}"/>
+                <a16:creationId xmlns:a16="http://schemas.microsoft.com/office/drawing/2014/main" id="{4720901F-69E9-F2DF-E8F6-D3F5E1ACBA80}"/>
               </a:ext>
             </a:extLst>
           </p:cNvPr>
@@ -2715,7 +2715,7 @@
           <a:bodyPr/>
           <a:lstStyle/>
           <a:p>
-            <a:fld id="{9BB8044D-6234-4A1A-8F76-7ABAB2F338E6}" type="slidenum">
+            <a:fld id="{C4F53B46-D79F-4C2F-954E-F57E5758BC2D}" type="slidenum">
               <a:rPr lang="zh-CN" altLang="en-US" smtClean="0"/>
               <a:t>‹#›</a:t>
             </a:fld>
@@ -2726,7 +2726,7 @@
     </p:spTree>
     <p:extLst>
       <p:ext uri="{BB962C8B-B14F-4D97-AF65-F5344CB8AC3E}">
-        <p14:creationId xmlns:p14="http://schemas.microsoft.com/office/powerpoint/2010/main" val="1172030877"/>
+        <p14:creationId xmlns:p14="http://schemas.microsoft.com/office/powerpoint/2010/main" val="1010792116"/>
       </p:ext>
     </p:extLst>
   </p:cSld>
@@ -2763,7 +2763,7 @@
           <p:cNvPr id="2" name="标题占位符 1">
             <a:extLst>
               <a:ext uri="{FF2B5EF4-FFF2-40B4-BE49-F238E27FC236}">
-                <a16:creationId xmlns:a16="http://schemas.microsoft.com/office/drawing/2014/main" id="{0D189610-98F3-FD9F-019E-066016BE3BAA}"/>
+                <a16:creationId xmlns:a16="http://schemas.microsoft.com/office/drawing/2014/main" id="{43E9C92E-CA45-DBEF-3067-65902B033833}"/>
               </a:ext>
             </a:extLst>
           </p:cNvPr>
@@ -2801,7 +2801,7 @@
           <p:cNvPr id="3" name="文本占位符 2">
             <a:extLst>
               <a:ext uri="{FF2B5EF4-FFF2-40B4-BE49-F238E27FC236}">
-                <a16:creationId xmlns:a16="http://schemas.microsoft.com/office/drawing/2014/main" id="{361DE5C2-D0AD-05C5-9DA8-FC1B37C64C02}"/>
+                <a16:creationId xmlns:a16="http://schemas.microsoft.com/office/drawing/2014/main" id="{7FABE615-2B01-7A3D-130B-C7CD5982F165}"/>
               </a:ext>
             </a:extLst>
           </p:cNvPr>
@@ -2868,7 +2868,7 @@
           <p:cNvPr id="4" name="日期占位符 3">
             <a:extLst>
               <a:ext uri="{FF2B5EF4-FFF2-40B4-BE49-F238E27FC236}">
-                <a16:creationId xmlns:a16="http://schemas.microsoft.com/office/drawing/2014/main" id="{2C7AB510-4938-A561-60B3-823C8219162C}"/>
+                <a16:creationId xmlns:a16="http://schemas.microsoft.com/office/drawing/2014/main" id="{0A8D6E20-CD11-FA36-8A2F-6235E4719263}"/>
               </a:ext>
             </a:extLst>
           </p:cNvPr>
@@ -2902,7 +2902,7 @@
             </a:lvl1pPr>
           </a:lstStyle>
           <a:p>
-            <a:fld id="{9460ED91-9EBB-463D-A661-EF314E1A9569}" type="datetimeFigureOut">
+            <a:fld id="{3F6FC387-A341-4417-8517-83D6DCB54521}" type="datetimeFigureOut">
               <a:rPr lang="zh-CN" altLang="en-US" smtClean="0"/>
               <a:t>2024/3/10</a:t>
             </a:fld>
@@ -2915,7 +2915,7 @@
           <p:cNvPr id="5" name="页脚占位符 4">
             <a:extLst>
               <a:ext uri="{FF2B5EF4-FFF2-40B4-BE49-F238E27FC236}">
-                <a16:creationId xmlns:a16="http://schemas.microsoft.com/office/drawing/2014/main" id="{B9BC3CE2-540F-A1D5-2833-80840916B67F}"/>
+                <a16:creationId xmlns:a16="http://schemas.microsoft.com/office/drawing/2014/main" id="{0DB48A2E-9448-49E5-FC41-6990EC6BFEB5}"/>
               </a:ext>
             </a:extLst>
           </p:cNvPr>
@@ -2958,7 +2958,7 @@
           <p:cNvPr id="6" name="灯片编号占位符 5">
             <a:extLst>
               <a:ext uri="{FF2B5EF4-FFF2-40B4-BE49-F238E27FC236}">
-                <a16:creationId xmlns:a16="http://schemas.microsoft.com/office/drawing/2014/main" id="{3582707F-8380-D348-FE24-7276257347B2}"/>
+                <a16:creationId xmlns:a16="http://schemas.microsoft.com/office/drawing/2014/main" id="{CFC05324-FA46-AF0D-CD1C-9CF33F713293}"/>
               </a:ext>
             </a:extLst>
           </p:cNvPr>
@@ -2992,7 +2992,7 @@
             </a:lvl1pPr>
           </a:lstStyle>
           <a:p>
-            <a:fld id="{9BB8044D-6234-4A1A-8F76-7ABAB2F338E6}" type="slidenum">
+            <a:fld id="{C4F53B46-D79F-4C2F-954E-F57E5758BC2D}" type="slidenum">
               <a:rPr lang="zh-CN" altLang="en-US" smtClean="0"/>
               <a:t>‹#›</a:t>
             </a:fld>
@@ -3003,7 +3003,7 @@
     </p:spTree>
     <p:extLst>
       <p:ext uri="{BB962C8B-B14F-4D97-AF65-F5344CB8AC3E}">
-        <p14:creationId xmlns:p14="http://schemas.microsoft.com/office/powerpoint/2010/main" val="3856694877"/>
+        <p14:creationId xmlns:p14="http://schemas.microsoft.com/office/powerpoint/2010/main" val="1421129661"/>
       </p:ext>
     </p:extLst>
   </p:cSld>
@@ -3323,7 +3323,7 @@
       </p:grpSpPr>
       <p:pic>
         <p:nvPicPr>
-          <p:cNvPr id="423938" name="Picture 2" descr="413"/>
+          <p:cNvPr id="424962" name="Picture 2" descr="414"/>
           <p:cNvPicPr>
             <a:picLocks noChangeAspect="1" noChangeArrowheads="1"/>
           </p:cNvPicPr>
@@ -3375,158 +3375,11 @@
           </a:extLst>
         </p:spPr>
       </p:pic>
-      <p:pic>
-        <p:nvPicPr>
-          <p:cNvPr id="424963" name="Picture 3" descr="413-2"/>
-          <p:cNvPicPr>
-            <a:picLocks noChangeAspect="1" noChangeArrowheads="1"/>
-          </p:cNvPicPr>
-          <p:nvPr/>
-        </p:nvPicPr>
-        <p:blipFill>
-          <a:blip r:embed="rId3">
-            <a:extLst>
-              <a:ext uri="{28A0092B-C50C-407E-A947-70E740481C1C}">
-                <a14:useLocalDpi xmlns:a14="http://schemas.microsoft.com/office/drawing/2010/main" val="0"/>
-              </a:ext>
-            </a:extLst>
-          </a:blip>
-          <a:srcRect/>
-          <a:stretch>
-            <a:fillRect/>
-          </a:stretch>
-        </p:blipFill>
-        <p:spPr bwMode="auto">
-          <a:xfrm>
-            <a:off x="1524000" y="0"/>
-            <a:ext cx="9144000" cy="6858000"/>
-          </a:xfrm>
-          <a:prstGeom prst="rect">
-            <a:avLst/>
-          </a:prstGeom>
-          <a:noFill/>
-          <a:ln>
-            <a:noFill/>
-          </a:ln>
-          <a:effectLst/>
-          <a:extLst>
-            <a:ext uri="{909E8E84-426E-40DD-AFC4-6F175D3DCCD1}">
-              <a14:hiddenFill xmlns:a14="http://schemas.microsoft.com/office/drawing/2010/main">
-                <a:solidFill>
-                  <a:srgbClr val="FFFFFF"/>
-                </a:solidFill>
-              </a14:hiddenFill>
-            </a:ext>
-            <a:ext uri="{91240B29-F687-4F45-9708-019B960494DF}">
-              <a14:hiddenLine xmlns:a14="http://schemas.microsoft.com/office/drawing/2010/main" w="9525">
-                <a:solidFill>
-                  <a:srgbClr val="000000"/>
-                </a:solidFill>
-                <a:miter lim="800000"/>
-                <a:headEnd/>
-                <a:tailEnd/>
-              </a14:hiddenLine>
-            </a:ext>
-            <a:ext uri="{AF507438-7753-43E0-B8FC-AC1667EBCBE1}">
-              <a14:hiddenEffects xmlns:a14="http://schemas.microsoft.com/office/drawing/2010/main">
-                <a:effectLst>
-                  <a:outerShdw dist="35921" dir="2700000" algn="ctr" rotWithShape="0">
-                    <a:srgbClr val="808080"/>
-                  </a:outerShdw>
-                </a:effectLst>
-              </a14:hiddenEffects>
-            </a:ext>
-          </a:extLst>
-        </p:spPr>
-      </p:pic>
     </p:spTree>
   </p:cSld>
   <p:clrMapOvr>
     <a:masterClrMapping/>
   </p:clrMapOvr>
-  <p:timing>
-    <p:tnLst>
-      <p:par>
-        <p:cTn id="1" dur="indefinite" restart="never" nodeType="tmRoot">
-          <p:childTnLst>
-            <p:seq concurrent="1" nextAc="seek">
-              <p:cTn id="2" dur="indefinite" nodeType="mainSeq">
-                <p:childTnLst>
-                  <p:par>
-                    <p:cTn id="3" fill="hold" nodeType="clickPar">
-                      <p:stCondLst>
-                        <p:cond delay="indefinite"/>
-                      </p:stCondLst>
-                      <p:childTnLst>
-                        <p:par>
-                          <p:cTn id="4" fill="hold" nodeType="withGroup">
-                            <p:stCondLst>
-                              <p:cond delay="0"/>
-                            </p:stCondLst>
-                            <p:childTnLst>
-                              <p:par>
-                                <p:cTn id="5" presetID="10" presetClass="entr" presetSubtype="0" fill="hold" nodeType="clickEffect">
-                                  <p:stCondLst>
-                                    <p:cond delay="0"/>
-                                  </p:stCondLst>
-                                  <p:childTnLst>
-                                    <p:set>
-                                      <p:cBhvr>
-                                        <p:cTn id="6" dur="1" fill="hold">
-                                          <p:stCondLst>
-                                            <p:cond delay="0"/>
-                                          </p:stCondLst>
-                                        </p:cTn>
-                                        <p:tgtEl>
-                                          <p:spTgt spid="424963"/>
-                                        </p:tgtEl>
-                                        <p:attrNameLst>
-                                          <p:attrName>style.visibility</p:attrName>
-                                        </p:attrNameLst>
-                                      </p:cBhvr>
-                                      <p:to>
-                                        <p:strVal val="visible"/>
-                                      </p:to>
-                                    </p:set>
-                                    <p:animEffect transition="in" filter="fade">
-                                      <p:cBhvr>
-                                        <p:cTn id="7" dur="500"/>
-                                        <p:tgtEl>
-                                          <p:spTgt spid="424963"/>
-                                        </p:tgtEl>
-                                      </p:cBhvr>
-                                    </p:animEffect>
-                                  </p:childTnLst>
-                                </p:cTn>
-                              </p:par>
-                            </p:childTnLst>
-                          </p:cTn>
-                        </p:par>
-                      </p:childTnLst>
-                    </p:cTn>
-                  </p:par>
-                </p:childTnLst>
-              </p:cTn>
-              <p:prevCondLst>
-                <p:cond evt="onPrev" delay="0">
-                  <p:tgtEl>
-                    <p:sldTgt/>
-                  </p:tgtEl>
-                </p:cond>
-              </p:prevCondLst>
-              <p:nextCondLst>
-                <p:cond evt="onNext" delay="0">
-                  <p:tgtEl>
-                    <p:sldTgt/>
-                  </p:tgtEl>
-                </p:cond>
-              </p:nextCondLst>
-            </p:seq>
-          </p:childTnLst>
-        </p:cTn>
-      </p:par>
-    </p:tnLst>
-  </p:timing>
 </p:sld>
 </file>
 
